--- a/Presentation/Project Final.pptx
+++ b/Presentation/Project Final.pptx
@@ -8,15 +8,20 @@
     <p:sldId id="265" r:id="rId2"/>
     <p:sldId id="385" r:id="rId3"/>
     <p:sldId id="386" r:id="rId4"/>
-    <p:sldId id="387" r:id="rId5"/>
-    <p:sldId id="388" r:id="rId6"/>
-    <p:sldId id="389" r:id="rId7"/>
-    <p:sldId id="390" r:id="rId8"/>
-    <p:sldId id="391" r:id="rId9"/>
-    <p:sldId id="392" r:id="rId10"/>
-    <p:sldId id="393" r:id="rId11"/>
-    <p:sldId id="382" r:id="rId12"/>
-    <p:sldId id="394" r:id="rId13"/>
+    <p:sldId id="388" r:id="rId5"/>
+    <p:sldId id="389" r:id="rId6"/>
+    <p:sldId id="390" r:id="rId7"/>
+    <p:sldId id="391" r:id="rId8"/>
+    <p:sldId id="395" r:id="rId9"/>
+    <p:sldId id="396" r:id="rId10"/>
+    <p:sldId id="398" r:id="rId11"/>
+    <p:sldId id="397" r:id="rId12"/>
+    <p:sldId id="400" r:id="rId13"/>
+    <p:sldId id="399" r:id="rId14"/>
+    <p:sldId id="392" r:id="rId15"/>
+    <p:sldId id="393" r:id="rId16"/>
+    <p:sldId id="382" r:id="rId17"/>
+    <p:sldId id="394" r:id="rId18"/>
   </p:sldIdLst>
   <p:sldSz cx="12192000" cy="6858000"/>
   <p:notesSz cx="6858000" cy="9144000"/>
@@ -311,7 +316,7 @@
           <a:p>
             <a:fld id="{C945DEE4-5232-4DB1-8F51-4D6A83D24E79}" type="datetimeFigureOut">
               <a:rPr lang="en-IN" smtClean="0"/>
-              <a:t>09-11-2021</a:t>
+              <a:t>11-11-2021</a:t>
             </a:fld>
             <a:endParaRPr lang="en-IN"/>
           </a:p>
@@ -649,7 +654,7 @@
           <a:p>
             <a:fld id="{C945DEE4-5232-4DB1-8F51-4D6A83D24E79}" type="datetimeFigureOut">
               <a:rPr lang="en-IN" smtClean="0"/>
-              <a:t>09-11-2021</a:t>
+              <a:t>11-11-2021</a:t>
             </a:fld>
             <a:endParaRPr lang="en-IN"/>
           </a:p>
@@ -1050,7 +1055,7 @@
           <a:p>
             <a:fld id="{C945DEE4-5232-4DB1-8F51-4D6A83D24E79}" type="datetimeFigureOut">
               <a:rPr lang="en-IN" smtClean="0"/>
-              <a:t>09-11-2021</a:t>
+              <a:t>11-11-2021</a:t>
             </a:fld>
             <a:endParaRPr lang="en-IN"/>
           </a:p>
@@ -1386,7 +1391,7 @@
           <a:p>
             <a:fld id="{C945DEE4-5232-4DB1-8F51-4D6A83D24E79}" type="datetimeFigureOut">
               <a:rPr lang="en-IN" smtClean="0"/>
-              <a:t>09-11-2021</a:t>
+              <a:t>11-11-2021</a:t>
             </a:fld>
             <a:endParaRPr lang="en-IN"/>
           </a:p>
@@ -1706,7 +1711,7 @@
           <a:p>
             <a:fld id="{C945DEE4-5232-4DB1-8F51-4D6A83D24E79}" type="datetimeFigureOut">
               <a:rPr lang="en-IN" smtClean="0"/>
-              <a:t>09-11-2021</a:t>
+              <a:t>11-11-2021</a:t>
             </a:fld>
             <a:endParaRPr lang="en-IN"/>
           </a:p>
@@ -2102,7 +2107,7 @@
           <a:p>
             <a:fld id="{C945DEE4-5232-4DB1-8F51-4D6A83D24E79}" type="datetimeFigureOut">
               <a:rPr lang="en-IN" smtClean="0"/>
-              <a:t>09-11-2021</a:t>
+              <a:t>11-11-2021</a:t>
             </a:fld>
             <a:endParaRPr lang="en-IN"/>
           </a:p>
@@ -2359,7 +2364,7 @@
           <a:p>
             <a:fld id="{C945DEE4-5232-4DB1-8F51-4D6A83D24E79}" type="datetimeFigureOut">
               <a:rPr lang="en-IN" smtClean="0"/>
-              <a:t>09-11-2021</a:t>
+              <a:t>11-11-2021</a:t>
             </a:fld>
             <a:endParaRPr lang="en-IN"/>
           </a:p>
@@ -2621,7 +2626,7 @@
           <a:p>
             <a:fld id="{C945DEE4-5232-4DB1-8F51-4D6A83D24E79}" type="datetimeFigureOut">
               <a:rPr lang="en-IN" smtClean="0"/>
-              <a:t>09-11-2021</a:t>
+              <a:t>11-11-2021</a:t>
             </a:fld>
             <a:endParaRPr lang="en-IN"/>
           </a:p>
@@ -2883,7 +2888,7 @@
           <a:p>
             <a:fld id="{C945DEE4-5232-4DB1-8F51-4D6A83D24E79}" type="datetimeFigureOut">
               <a:rPr lang="en-IN" smtClean="0"/>
-              <a:t>09-11-2021</a:t>
+              <a:t>11-11-2021</a:t>
             </a:fld>
             <a:endParaRPr lang="en-IN"/>
           </a:p>
@@ -3212,7 +3217,7 @@
           <a:p>
             <a:fld id="{C945DEE4-5232-4DB1-8F51-4D6A83D24E79}" type="datetimeFigureOut">
               <a:rPr lang="en-IN" smtClean="0"/>
-              <a:t>09-11-2021</a:t>
+              <a:t>11-11-2021</a:t>
             </a:fld>
             <a:endParaRPr lang="en-IN"/>
           </a:p>
@@ -3535,7 +3540,7 @@
           <a:p>
             <a:fld id="{C945DEE4-5232-4DB1-8F51-4D6A83D24E79}" type="datetimeFigureOut">
               <a:rPr lang="en-IN" smtClean="0"/>
-              <a:t>09-11-2021</a:t>
+              <a:t>11-11-2021</a:t>
             </a:fld>
             <a:endParaRPr lang="en-IN"/>
           </a:p>
@@ -3992,7 +3997,7 @@
           <a:p>
             <a:fld id="{C945DEE4-5232-4DB1-8F51-4D6A83D24E79}" type="datetimeFigureOut">
               <a:rPr lang="en-IN" smtClean="0"/>
-              <a:t>09-11-2021</a:t>
+              <a:t>11-11-2021</a:t>
             </a:fld>
             <a:endParaRPr lang="en-IN"/>
           </a:p>
@@ -4197,7 +4202,7 @@
           <a:p>
             <a:fld id="{C945DEE4-5232-4DB1-8F51-4D6A83D24E79}" type="datetimeFigureOut">
               <a:rPr lang="en-IN" smtClean="0"/>
-              <a:t>09-11-2021</a:t>
+              <a:t>11-11-2021</a:t>
             </a:fld>
             <a:endParaRPr lang="en-IN"/>
           </a:p>
@@ -4374,7 +4379,7 @@
           <a:p>
             <a:fld id="{C945DEE4-5232-4DB1-8F51-4D6A83D24E79}" type="datetimeFigureOut">
               <a:rPr lang="en-IN" smtClean="0"/>
-              <a:t>09-11-2021</a:t>
+              <a:t>11-11-2021</a:t>
             </a:fld>
             <a:endParaRPr lang="en-IN"/>
           </a:p>
@@ -4707,7 +4712,7 @@
           <a:p>
             <a:fld id="{C945DEE4-5232-4DB1-8F51-4D6A83D24E79}" type="datetimeFigureOut">
               <a:rPr lang="en-IN" smtClean="0"/>
-              <a:t>09-11-2021</a:t>
+              <a:t>11-11-2021</a:t>
             </a:fld>
             <a:endParaRPr lang="en-IN"/>
           </a:p>
@@ -5052,7 +5057,7 @@
           <a:p>
             <a:fld id="{C945DEE4-5232-4DB1-8F51-4D6A83D24E79}" type="datetimeFigureOut">
               <a:rPr lang="en-IN" smtClean="0"/>
-              <a:t>09-11-2021</a:t>
+              <a:t>11-11-2021</a:t>
             </a:fld>
             <a:endParaRPr lang="en-IN"/>
           </a:p>
@@ -7169,7 +7174,7 @@
           <a:p>
             <a:fld id="{C945DEE4-5232-4DB1-8F51-4D6A83D24E79}" type="datetimeFigureOut">
               <a:rPr lang="en-IN" smtClean="0"/>
-              <a:t>09-11-2021</a:t>
+              <a:t>11-11-2021</a:t>
             </a:fld>
             <a:endParaRPr lang="en-IN"/>
           </a:p>
@@ -7867,7 +7872,7 @@
           <p:cNvPr id="2" name="Title 1">
             <a:extLst>
               <a:ext uri="{FF2B5EF4-FFF2-40B4-BE49-F238E27FC236}">
-                <a16:creationId xmlns:a16="http://schemas.microsoft.com/office/drawing/2014/main" id="{E96D53A3-11B2-40EF-A5B2-F44AF7E65AB0}"/>
+                <a16:creationId xmlns:a16="http://schemas.microsoft.com/office/drawing/2014/main" id="{DDC652C5-1250-4A91-BDAE-85C02D2402E6}"/>
               </a:ext>
             </a:extLst>
           </p:cNvPr>
@@ -7878,15 +7883,19 @@
             <p:ph type="title"/>
           </p:nvPr>
         </p:nvSpPr>
-        <p:spPr/>
+        <p:spPr>
+          <a:xfrm>
+            <a:off x="1758736" y="306333"/>
+            <a:ext cx="8911687" cy="960993"/>
+          </a:xfrm>
+        </p:spPr>
         <p:txBody>
           <a:bodyPr/>
           <a:lstStyle/>
           <a:p>
-            <a:pPr algn="ctr"/>
             <a:r>
               <a:rPr lang="en-IN" dirty="0"/>
-              <a:t>Our 5 Mins…</a:t>
+              <a:t>Regularisation : </a:t>
             </a:r>
           </a:p>
         </p:txBody>
@@ -7896,7 +7905,7 @@
           <p:cNvPr id="3" name="Content Placeholder 2">
             <a:extLst>
               <a:ext uri="{FF2B5EF4-FFF2-40B4-BE49-F238E27FC236}">
-                <a16:creationId xmlns:a16="http://schemas.microsoft.com/office/drawing/2014/main" id="{86438388-6944-4934-93A3-9C99CD452298}"/>
+                <a16:creationId xmlns:a16="http://schemas.microsoft.com/office/drawing/2014/main" id="{562FEC94-D373-437B-B9C9-7D20AACCCD95}"/>
               </a:ext>
             </a:extLst>
           </p:cNvPr>
@@ -7907,19 +7916,68 @@
             <p:ph idx="1"/>
           </p:nvPr>
         </p:nvSpPr>
-        <p:spPr/>
-        <p:txBody>
-          <a:bodyPr/>
+        <p:spPr>
+          <a:xfrm>
+            <a:off x="1758736" y="1267326"/>
+            <a:ext cx="8915400" cy="3777622"/>
+          </a:xfrm>
+        </p:spPr>
+        <p:txBody>
+          <a:bodyPr>
+            <a:normAutofit/>
+          </a:bodyPr>
           <a:lstStyle/>
           <a:p>
-            <a:endParaRPr lang="en-IN"/>
-          </a:p>
-        </p:txBody>
-      </p:sp>
+            <a:pPr marL="0" indent="0">
+              <a:buNone/>
+            </a:pPr>
+            <a:r>
+              <a:rPr lang="en-IN" sz="2400" dirty="0"/>
+              <a:t>Dropout Regularisation:</a:t>
+            </a:r>
+          </a:p>
+        </p:txBody>
+      </p:sp>
+      <p:pic>
+        <p:nvPicPr>
+          <p:cNvPr id="5" name="Picture 4">
+            <a:extLst>
+              <a:ext uri="{FF2B5EF4-FFF2-40B4-BE49-F238E27FC236}">
+                <a16:creationId xmlns:a16="http://schemas.microsoft.com/office/drawing/2014/main" id="{D1B32474-C2A1-490E-B1A2-354D4BE3FF81}"/>
+              </a:ext>
+            </a:extLst>
+          </p:cNvPr>
+          <p:cNvPicPr>
+            <a:picLocks noChangeAspect="1"/>
+          </p:cNvPicPr>
+          <p:nvPr/>
+        </p:nvPicPr>
+        <p:blipFill>
+          <a:blip r:embed="rId2">
+            <a:extLst>
+              <a:ext uri="{28A0092B-C50C-407E-A947-70E740481C1C}">
+                <a14:useLocalDpi xmlns:a14="http://schemas.microsoft.com/office/drawing/2010/main" val="0"/>
+              </a:ext>
+            </a:extLst>
+          </a:blip>
+          <a:stretch>
+            <a:fillRect/>
+          </a:stretch>
+        </p:blipFill>
+        <p:spPr>
+          <a:xfrm>
+            <a:off x="1758736" y="2044616"/>
+            <a:ext cx="8576068" cy="4254922"/>
+          </a:xfrm>
+          <a:prstGeom prst="rect">
+            <a:avLst/>
+          </a:prstGeom>
+        </p:spPr>
+      </p:pic>
     </p:spTree>
     <p:extLst>
       <p:ext uri="{BB962C8B-B14F-4D97-AF65-F5344CB8AC3E}">
-        <p14:creationId xmlns:p14="http://schemas.microsoft.com/office/powerpoint/2010/main" val="4109855815"/>
+        <p14:creationId xmlns:p14="http://schemas.microsoft.com/office/powerpoint/2010/main" val="644300951"/>
       </p:ext>
     </p:extLst>
   </p:cSld>
@@ -7951,6 +8009,845 @@
           <p:cNvPr id="2" name="Title 1">
             <a:extLst>
               <a:ext uri="{FF2B5EF4-FFF2-40B4-BE49-F238E27FC236}">
+                <a16:creationId xmlns:a16="http://schemas.microsoft.com/office/drawing/2014/main" id="{A5D2DCE6-2059-4389-916B-639F378372AF}"/>
+              </a:ext>
+            </a:extLst>
+          </p:cNvPr>
+          <p:cNvSpPr>
+            <a:spLocks noGrp="1"/>
+          </p:cNvSpPr>
+          <p:nvPr>
+            <p:ph type="title"/>
+          </p:nvPr>
+        </p:nvSpPr>
+        <p:spPr>
+          <a:xfrm>
+            <a:off x="1640156" y="306333"/>
+            <a:ext cx="8911687" cy="1280890"/>
+          </a:xfrm>
+        </p:spPr>
+        <p:txBody>
+          <a:bodyPr/>
+          <a:lstStyle/>
+          <a:p>
+            <a:r>
+              <a:rPr lang="en-IN" dirty="0"/>
+              <a:t>Model 3: Model 2 + Dropout Regularisation (0.78)</a:t>
+            </a:r>
+          </a:p>
+        </p:txBody>
+      </p:sp>
+      <p:sp>
+        <p:nvSpPr>
+          <p:cNvPr id="3" name="Content Placeholder 2">
+            <a:extLst>
+              <a:ext uri="{FF2B5EF4-FFF2-40B4-BE49-F238E27FC236}">
+                <a16:creationId xmlns:a16="http://schemas.microsoft.com/office/drawing/2014/main" id="{6EAD11EE-9468-45F9-AB38-154F4AB8E442}"/>
+              </a:ext>
+            </a:extLst>
+          </p:cNvPr>
+          <p:cNvSpPr>
+            <a:spLocks noGrp="1"/>
+          </p:cNvSpPr>
+          <p:nvPr>
+            <p:ph idx="1"/>
+          </p:nvPr>
+        </p:nvSpPr>
+        <p:spPr>
+          <a:xfrm>
+            <a:off x="1640156" y="1828800"/>
+            <a:ext cx="9864456" cy="3777622"/>
+          </a:xfrm>
+        </p:spPr>
+        <p:txBody>
+          <a:bodyPr>
+            <a:normAutofit/>
+          </a:bodyPr>
+          <a:lstStyle/>
+          <a:p>
+            <a:pPr marL="0" indent="0">
+              <a:buNone/>
+            </a:pPr>
+            <a:r>
+              <a:rPr lang="en-IN" sz="3200" dirty="0"/>
+              <a:t>Training </a:t>
+            </a:r>
+            <a:r>
+              <a:rPr lang="en-IN" sz="3200" dirty="0" err="1"/>
+              <a:t>Acc</a:t>
+            </a:r>
+            <a:r>
+              <a:rPr lang="en-IN" sz="3200" dirty="0"/>
+              <a:t> : 83% , Testing </a:t>
+            </a:r>
+            <a:r>
+              <a:rPr lang="en-IN" sz="3200" dirty="0" err="1"/>
+              <a:t>acc</a:t>
+            </a:r>
+            <a:r>
+              <a:rPr lang="en-IN" sz="3200" dirty="0"/>
+              <a:t> : 74%</a:t>
+            </a:r>
+          </a:p>
+        </p:txBody>
+      </p:sp>
+      <p:pic>
+        <p:nvPicPr>
+          <p:cNvPr id="5" name="Picture 4">
+            <a:extLst>
+              <a:ext uri="{FF2B5EF4-FFF2-40B4-BE49-F238E27FC236}">
+                <a16:creationId xmlns:a16="http://schemas.microsoft.com/office/drawing/2014/main" id="{E3DA1BE5-7D8E-4F07-BB8F-14420AC7EA2A}"/>
+              </a:ext>
+            </a:extLst>
+          </p:cNvPr>
+          <p:cNvPicPr>
+            <a:picLocks noChangeAspect="1"/>
+          </p:cNvPicPr>
+          <p:nvPr/>
+        </p:nvPicPr>
+        <p:blipFill>
+          <a:blip r:embed="rId2">
+            <a:extLst>
+              <a:ext uri="{28A0092B-C50C-407E-A947-70E740481C1C}">
+                <a14:useLocalDpi xmlns:a14="http://schemas.microsoft.com/office/drawing/2010/main" val="0"/>
+              </a:ext>
+            </a:extLst>
+          </a:blip>
+          <a:stretch>
+            <a:fillRect/>
+          </a:stretch>
+        </p:blipFill>
+        <p:spPr>
+          <a:xfrm>
+            <a:off x="1640156" y="2757394"/>
+            <a:ext cx="9605360" cy="3120634"/>
+          </a:xfrm>
+          <a:prstGeom prst="rect">
+            <a:avLst/>
+          </a:prstGeom>
+        </p:spPr>
+      </p:pic>
+    </p:spTree>
+    <p:extLst>
+      <p:ext uri="{BB962C8B-B14F-4D97-AF65-F5344CB8AC3E}">
+        <p14:creationId xmlns:p14="http://schemas.microsoft.com/office/powerpoint/2010/main" val="4248666171"/>
+      </p:ext>
+    </p:extLst>
+  </p:cSld>
+  <p:clrMapOvr>
+    <a:masterClrMapping/>
+  </p:clrMapOvr>
+</p:sld>
+</file>
+
+<file path=ppt/slides/slide12.xml><?xml version="1.0" encoding="utf-8"?>
+<p:sld xmlns:a="http://schemas.openxmlformats.org/drawingml/2006/main" xmlns:r="http://schemas.openxmlformats.org/officeDocument/2006/relationships" xmlns:p="http://schemas.openxmlformats.org/presentationml/2006/main">
+  <p:cSld>
+    <p:spTree>
+      <p:nvGrpSpPr>
+        <p:cNvPr id="1" name=""/>
+        <p:cNvGrpSpPr/>
+        <p:nvPr/>
+      </p:nvGrpSpPr>
+      <p:grpSpPr>
+        <a:xfrm>
+          <a:off x="0" y="0"/>
+          <a:ext cx="0" cy="0"/>
+          <a:chOff x="0" y="0"/>
+          <a:chExt cx="0" cy="0"/>
+        </a:xfrm>
+      </p:grpSpPr>
+      <p:sp>
+        <p:nvSpPr>
+          <p:cNvPr id="2" name="Title 1">
+            <a:extLst>
+              <a:ext uri="{FF2B5EF4-FFF2-40B4-BE49-F238E27FC236}">
+                <a16:creationId xmlns:a16="http://schemas.microsoft.com/office/drawing/2014/main" id="{213DA7AF-31C7-4189-9976-BC6B5BF73D8C}"/>
+              </a:ext>
+            </a:extLst>
+          </p:cNvPr>
+          <p:cNvSpPr>
+            <a:spLocks noGrp="1"/>
+          </p:cNvSpPr>
+          <p:nvPr>
+            <p:ph type="title"/>
+          </p:nvPr>
+        </p:nvSpPr>
+        <p:spPr>
+          <a:xfrm>
+            <a:off x="1640156" y="0"/>
+            <a:ext cx="8911687" cy="1280890"/>
+          </a:xfrm>
+        </p:spPr>
+        <p:txBody>
+          <a:bodyPr/>
+          <a:lstStyle/>
+          <a:p>
+            <a:r>
+              <a:rPr lang="en-IN" dirty="0"/>
+              <a:t>Model 4 : Using Better image segmentation (Otsu 2.0)</a:t>
+            </a:r>
+          </a:p>
+        </p:txBody>
+      </p:sp>
+      <p:sp>
+        <p:nvSpPr>
+          <p:cNvPr id="3" name="Content Placeholder 2">
+            <a:extLst>
+              <a:ext uri="{FF2B5EF4-FFF2-40B4-BE49-F238E27FC236}">
+                <a16:creationId xmlns:a16="http://schemas.microsoft.com/office/drawing/2014/main" id="{D19DE5F3-21E4-42BB-B4C8-977F796602C1}"/>
+              </a:ext>
+            </a:extLst>
+          </p:cNvPr>
+          <p:cNvSpPr>
+            <a:spLocks noGrp="1"/>
+          </p:cNvSpPr>
+          <p:nvPr>
+            <p:ph idx="1"/>
+          </p:nvPr>
+        </p:nvSpPr>
+        <p:spPr>
+          <a:xfrm>
+            <a:off x="1636443" y="3392905"/>
+            <a:ext cx="8915400" cy="3049100"/>
+          </a:xfrm>
+        </p:spPr>
+        <p:txBody>
+          <a:bodyPr>
+            <a:normAutofit/>
+          </a:bodyPr>
+          <a:lstStyle/>
+          <a:p>
+            <a:pPr marL="0" indent="0">
+              <a:buNone/>
+            </a:pPr>
+            <a:r>
+              <a:rPr lang="en-IN" sz="3000" dirty="0"/>
+              <a:t>Training Accuracy : 98.74%</a:t>
+            </a:r>
+          </a:p>
+          <a:p>
+            <a:pPr marL="0" indent="0">
+              <a:buNone/>
+            </a:pPr>
+            <a:r>
+              <a:rPr lang="en-IN" sz="3000" dirty="0"/>
+              <a:t>Testing Accuracy : 72%</a:t>
+            </a:r>
+          </a:p>
+          <a:p>
+            <a:pPr marL="0" indent="0">
+              <a:buNone/>
+            </a:pPr>
+            <a:endParaRPr lang="en-IN" sz="3000" dirty="0"/>
+          </a:p>
+        </p:txBody>
+      </p:sp>
+      <p:pic>
+        <p:nvPicPr>
+          <p:cNvPr id="4" name="Picture 3">
+            <a:extLst>
+              <a:ext uri="{FF2B5EF4-FFF2-40B4-BE49-F238E27FC236}">
+                <a16:creationId xmlns:a16="http://schemas.microsoft.com/office/drawing/2014/main" id="{D724E388-3571-4C3D-97AB-B115DF0A5D93}"/>
+              </a:ext>
+            </a:extLst>
+          </p:cNvPr>
+          <p:cNvPicPr>
+            <a:picLocks noChangeAspect="1"/>
+          </p:cNvPicPr>
+          <p:nvPr/>
+        </p:nvPicPr>
+        <p:blipFill>
+          <a:blip r:embed="rId2">
+            <a:extLst>
+              <a:ext uri="{28A0092B-C50C-407E-A947-70E740481C1C}">
+                <a14:useLocalDpi xmlns:a14="http://schemas.microsoft.com/office/drawing/2010/main" val="0"/>
+              </a:ext>
+            </a:extLst>
+          </a:blip>
+          <a:stretch>
+            <a:fillRect/>
+          </a:stretch>
+        </p:blipFill>
+        <p:spPr>
+          <a:xfrm>
+            <a:off x="1636443" y="1228473"/>
+            <a:ext cx="2727010" cy="1912067"/>
+          </a:xfrm>
+          <a:prstGeom prst="rect">
+            <a:avLst/>
+          </a:prstGeom>
+        </p:spPr>
+      </p:pic>
+      <p:sp>
+        <p:nvSpPr>
+          <p:cNvPr id="6" name="Arrow: Right 5">
+            <a:extLst>
+              <a:ext uri="{FF2B5EF4-FFF2-40B4-BE49-F238E27FC236}">
+                <a16:creationId xmlns:a16="http://schemas.microsoft.com/office/drawing/2014/main" id="{DE1A973D-702F-4309-B027-682F6B85AB4E}"/>
+              </a:ext>
+            </a:extLst>
+          </p:cNvPr>
+          <p:cNvSpPr/>
+          <p:nvPr/>
+        </p:nvSpPr>
+        <p:spPr>
+          <a:xfrm>
+            <a:off x="4912404" y="1968888"/>
+            <a:ext cx="1755648" cy="381000"/>
+          </a:xfrm>
+          <a:prstGeom prst="rightArrow">
+            <a:avLst/>
+          </a:prstGeom>
+        </p:spPr>
+        <p:style>
+          <a:lnRef idx="2">
+            <a:schemeClr val="accent1">
+              <a:shade val="50000"/>
+            </a:schemeClr>
+          </a:lnRef>
+          <a:fillRef idx="1">
+            <a:schemeClr val="accent1"/>
+          </a:fillRef>
+          <a:effectRef idx="0">
+            <a:schemeClr val="accent1"/>
+          </a:effectRef>
+          <a:fontRef idx="minor">
+            <a:schemeClr val="lt1"/>
+          </a:fontRef>
+        </p:style>
+        <p:txBody>
+          <a:bodyPr rtlCol="0" anchor="ctr"/>
+          <a:lstStyle/>
+          <a:p>
+            <a:pPr algn="ctr"/>
+            <a:endParaRPr lang="en-IN" dirty="0"/>
+          </a:p>
+        </p:txBody>
+      </p:sp>
+      <p:pic>
+        <p:nvPicPr>
+          <p:cNvPr id="7" name="Picture 6">
+            <a:extLst>
+              <a:ext uri="{FF2B5EF4-FFF2-40B4-BE49-F238E27FC236}">
+                <a16:creationId xmlns:a16="http://schemas.microsoft.com/office/drawing/2014/main" id="{EB786628-B5E0-474C-ABDE-A2F4219677B6}"/>
+              </a:ext>
+            </a:extLst>
+          </p:cNvPr>
+          <p:cNvPicPr>
+            <a:picLocks noChangeAspect="1"/>
+          </p:cNvPicPr>
+          <p:nvPr/>
+        </p:nvPicPr>
+        <p:blipFill>
+          <a:blip r:embed="rId3">
+            <a:extLst>
+              <a:ext uri="{28A0092B-C50C-407E-A947-70E740481C1C}">
+                <a14:useLocalDpi xmlns:a14="http://schemas.microsoft.com/office/drawing/2010/main" val="0"/>
+              </a:ext>
+            </a:extLst>
+          </a:blip>
+          <a:stretch>
+            <a:fillRect/>
+          </a:stretch>
+        </p:blipFill>
+        <p:spPr>
+          <a:xfrm>
+            <a:off x="7217003" y="1280890"/>
+            <a:ext cx="2727010" cy="1912067"/>
+          </a:xfrm>
+          <a:prstGeom prst="rect">
+            <a:avLst/>
+          </a:prstGeom>
+        </p:spPr>
+      </p:pic>
+      <p:pic>
+        <p:nvPicPr>
+          <p:cNvPr id="9" name="Picture 8">
+            <a:extLst>
+              <a:ext uri="{FF2B5EF4-FFF2-40B4-BE49-F238E27FC236}">
+                <a16:creationId xmlns:a16="http://schemas.microsoft.com/office/drawing/2014/main" id="{B29F82D0-75AB-4002-B73E-96A802A16C8F}"/>
+              </a:ext>
+            </a:extLst>
+          </p:cNvPr>
+          <p:cNvPicPr>
+            <a:picLocks noChangeAspect="1"/>
+          </p:cNvPicPr>
+          <p:nvPr/>
+        </p:nvPicPr>
+        <p:blipFill>
+          <a:blip r:embed="rId4">
+            <a:extLst>
+              <a:ext uri="{28A0092B-C50C-407E-A947-70E740481C1C}">
+                <a14:useLocalDpi xmlns:a14="http://schemas.microsoft.com/office/drawing/2010/main" val="0"/>
+              </a:ext>
+            </a:extLst>
+          </a:blip>
+          <a:stretch>
+            <a:fillRect/>
+          </a:stretch>
+        </p:blipFill>
+        <p:spPr>
+          <a:xfrm>
+            <a:off x="1636747" y="4552369"/>
+            <a:ext cx="8915096" cy="2352627"/>
+          </a:xfrm>
+          <a:prstGeom prst="rect">
+            <a:avLst/>
+          </a:prstGeom>
+        </p:spPr>
+      </p:pic>
+    </p:spTree>
+    <p:extLst>
+      <p:ext uri="{BB962C8B-B14F-4D97-AF65-F5344CB8AC3E}">
+        <p14:creationId xmlns:p14="http://schemas.microsoft.com/office/powerpoint/2010/main" val="932325399"/>
+      </p:ext>
+    </p:extLst>
+  </p:cSld>
+  <p:clrMapOvr>
+    <a:masterClrMapping/>
+  </p:clrMapOvr>
+</p:sld>
+</file>
+
+<file path=ppt/slides/slide13.xml><?xml version="1.0" encoding="utf-8"?>
+<p:sld xmlns:a="http://schemas.openxmlformats.org/drawingml/2006/main" xmlns:r="http://schemas.openxmlformats.org/officeDocument/2006/relationships" xmlns:p="http://schemas.openxmlformats.org/presentationml/2006/main">
+  <p:cSld>
+    <p:spTree>
+      <p:nvGrpSpPr>
+        <p:cNvPr id="1" name=""/>
+        <p:cNvGrpSpPr/>
+        <p:nvPr/>
+      </p:nvGrpSpPr>
+      <p:grpSpPr>
+        <a:xfrm>
+          <a:off x="0" y="0"/>
+          <a:ext cx="0" cy="0"/>
+          <a:chOff x="0" y="0"/>
+          <a:chExt cx="0" cy="0"/>
+        </a:xfrm>
+      </p:grpSpPr>
+      <p:sp>
+        <p:nvSpPr>
+          <p:cNvPr id="2" name="Title 1">
+            <a:extLst>
+              <a:ext uri="{FF2B5EF4-FFF2-40B4-BE49-F238E27FC236}">
+                <a16:creationId xmlns:a16="http://schemas.microsoft.com/office/drawing/2014/main" id="{216699B1-79BA-4C0C-80FB-9EDB218A58F0}"/>
+              </a:ext>
+            </a:extLst>
+          </p:cNvPr>
+          <p:cNvSpPr>
+            <a:spLocks noGrp="1"/>
+          </p:cNvSpPr>
+          <p:nvPr>
+            <p:ph type="title"/>
+          </p:nvPr>
+        </p:nvSpPr>
+        <p:spPr>
+          <a:xfrm>
+            <a:off x="1640156" y="-1"/>
+            <a:ext cx="8911687" cy="2630905"/>
+          </a:xfrm>
+        </p:spPr>
+        <p:txBody>
+          <a:bodyPr>
+            <a:normAutofit fontScale="90000"/>
+          </a:bodyPr>
+          <a:lstStyle/>
+          <a:p>
+            <a:r>
+              <a:rPr lang="en-IN" dirty="0"/>
+              <a:t>Model 5 : Model 4 + Dropout layer </a:t>
+            </a:r>
+            <a:br>
+              <a:rPr lang="en-IN" dirty="0"/>
+            </a:br>
+            <a:r>
+              <a:rPr lang="en-IN" dirty="0"/>
+              <a:t>(Present best working model)</a:t>
+            </a:r>
+            <a:br>
+              <a:rPr lang="en-IN" dirty="0"/>
+            </a:br>
+            <a:br>
+              <a:rPr lang="en-IN" dirty="0"/>
+            </a:br>
+            <a:r>
+              <a:rPr lang="en-IN" dirty="0"/>
+              <a:t>Training </a:t>
+            </a:r>
+            <a:r>
+              <a:rPr lang="en-IN" dirty="0" err="1"/>
+              <a:t>Acc</a:t>
+            </a:r>
+            <a:r>
+              <a:rPr lang="en-IN" dirty="0"/>
+              <a:t> : 89.67 %</a:t>
+            </a:r>
+            <a:br>
+              <a:rPr lang="en-IN" dirty="0"/>
+            </a:br>
+            <a:r>
+              <a:rPr lang="en-IN" dirty="0"/>
+              <a:t>Testing </a:t>
+            </a:r>
+            <a:r>
+              <a:rPr lang="en-IN" dirty="0" err="1"/>
+              <a:t>Acc</a:t>
+            </a:r>
+            <a:r>
+              <a:rPr lang="en-IN" dirty="0"/>
+              <a:t> : 77.94 %</a:t>
+            </a:r>
+            <a:br>
+              <a:rPr lang="en-IN" dirty="0"/>
+            </a:br>
+            <a:br>
+              <a:rPr lang="en-IN" dirty="0"/>
+            </a:br>
+            <a:endParaRPr lang="en-IN" dirty="0"/>
+          </a:p>
+        </p:txBody>
+      </p:sp>
+      <p:pic>
+        <p:nvPicPr>
+          <p:cNvPr id="5" name="Picture 4">
+            <a:extLst>
+              <a:ext uri="{FF2B5EF4-FFF2-40B4-BE49-F238E27FC236}">
+                <a16:creationId xmlns:a16="http://schemas.microsoft.com/office/drawing/2014/main" id="{A4BD3BFE-F13D-4965-B9D5-B7C6EC27F979}"/>
+              </a:ext>
+            </a:extLst>
+          </p:cNvPr>
+          <p:cNvPicPr>
+            <a:picLocks noChangeAspect="1"/>
+          </p:cNvPicPr>
+          <p:nvPr/>
+        </p:nvPicPr>
+        <p:blipFill>
+          <a:blip r:embed="rId2">
+            <a:extLst>
+              <a:ext uri="{28A0092B-C50C-407E-A947-70E740481C1C}">
+                <a14:useLocalDpi xmlns:a14="http://schemas.microsoft.com/office/drawing/2010/main" val="0"/>
+              </a:ext>
+            </a:extLst>
+          </a:blip>
+          <a:stretch>
+            <a:fillRect/>
+          </a:stretch>
+        </p:blipFill>
+        <p:spPr>
+          <a:xfrm>
+            <a:off x="1640155" y="2855306"/>
+            <a:ext cx="8610749" cy="2843916"/>
+          </a:xfrm>
+          <a:prstGeom prst="rect">
+            <a:avLst/>
+          </a:prstGeom>
+        </p:spPr>
+      </p:pic>
+    </p:spTree>
+    <p:extLst>
+      <p:ext uri="{BB962C8B-B14F-4D97-AF65-F5344CB8AC3E}">
+        <p14:creationId xmlns:p14="http://schemas.microsoft.com/office/powerpoint/2010/main" val="3471572171"/>
+      </p:ext>
+    </p:extLst>
+  </p:cSld>
+  <p:clrMapOvr>
+    <a:masterClrMapping/>
+  </p:clrMapOvr>
+</p:sld>
+</file>
+
+<file path=ppt/slides/slide14.xml><?xml version="1.0" encoding="utf-8"?>
+<p:sld xmlns:a="http://schemas.openxmlformats.org/drawingml/2006/main" xmlns:r="http://schemas.openxmlformats.org/officeDocument/2006/relationships" xmlns:p="http://schemas.openxmlformats.org/presentationml/2006/main">
+  <p:cSld>
+    <p:spTree>
+      <p:nvGrpSpPr>
+        <p:cNvPr id="1" name=""/>
+        <p:cNvGrpSpPr/>
+        <p:nvPr/>
+      </p:nvGrpSpPr>
+      <p:grpSpPr>
+        <a:xfrm>
+          <a:off x="0" y="0"/>
+          <a:ext cx="0" cy="0"/>
+          <a:chOff x="0" y="0"/>
+          <a:chExt cx="0" cy="0"/>
+        </a:xfrm>
+      </p:grpSpPr>
+      <p:sp>
+        <p:nvSpPr>
+          <p:cNvPr id="2" name="Title 1">
+            <a:extLst>
+              <a:ext uri="{FF2B5EF4-FFF2-40B4-BE49-F238E27FC236}">
+                <a16:creationId xmlns:a16="http://schemas.microsoft.com/office/drawing/2014/main" id="{452F852B-5392-472A-BA26-FC681FB41103}"/>
+              </a:ext>
+            </a:extLst>
+          </p:cNvPr>
+          <p:cNvSpPr>
+            <a:spLocks noGrp="1"/>
+          </p:cNvSpPr>
+          <p:nvPr>
+            <p:ph type="title"/>
+          </p:nvPr>
+        </p:nvSpPr>
+        <p:spPr>
+          <a:xfrm>
+            <a:off x="1640156" y="543900"/>
+            <a:ext cx="8911687" cy="1280890"/>
+          </a:xfrm>
+        </p:spPr>
+        <p:txBody>
+          <a:bodyPr/>
+          <a:lstStyle/>
+          <a:p>
+            <a:pPr algn="ctr"/>
+            <a:r>
+              <a:rPr lang="en-IN" dirty="0"/>
+              <a:t>Problems we see and possible fixes</a:t>
+            </a:r>
+          </a:p>
+        </p:txBody>
+      </p:sp>
+      <p:sp>
+        <p:nvSpPr>
+          <p:cNvPr id="3" name="Content Placeholder 2">
+            <a:extLst>
+              <a:ext uri="{FF2B5EF4-FFF2-40B4-BE49-F238E27FC236}">
+                <a16:creationId xmlns:a16="http://schemas.microsoft.com/office/drawing/2014/main" id="{7113AB70-1CA6-4EC7-B145-C186DF2298BD}"/>
+              </a:ext>
+            </a:extLst>
+          </p:cNvPr>
+          <p:cNvSpPr>
+            <a:spLocks noGrp="1"/>
+          </p:cNvSpPr>
+          <p:nvPr>
+            <p:ph idx="1"/>
+          </p:nvPr>
+        </p:nvSpPr>
+        <p:spPr>
+          <a:xfrm>
+            <a:off x="1640156" y="1824790"/>
+            <a:ext cx="8915400" cy="3777622"/>
+          </a:xfrm>
+        </p:spPr>
+        <p:txBody>
+          <a:bodyPr>
+            <a:normAutofit/>
+          </a:bodyPr>
+          <a:lstStyle/>
+          <a:p>
+            <a:r>
+              <a:rPr lang="en-IN" sz="2800" dirty="0"/>
+              <a:t>Possible problematic areas</a:t>
+            </a:r>
+            <a:br>
+              <a:rPr lang="en-IN" sz="2800" dirty="0"/>
+            </a:br>
+            <a:r>
+              <a:rPr lang="en-IN" sz="2800" dirty="0"/>
+              <a:t>1 : No Image Augmentation</a:t>
+            </a:r>
+          </a:p>
+          <a:p>
+            <a:pPr marL="0" indent="0">
+              <a:buNone/>
+            </a:pPr>
+            <a:r>
+              <a:rPr lang="en-IN" sz="2800" dirty="0"/>
+              <a:t> 	2 : Still not clear image , needs to be cropped</a:t>
+            </a:r>
+          </a:p>
+          <a:p>
+            <a:pPr marL="0" indent="0">
+              <a:buNone/>
+            </a:pPr>
+            <a:r>
+              <a:rPr lang="en-IN" sz="2800" dirty="0"/>
+              <a:t>    3 : Model Getting confused in Class 1 	(Eosinophil) and class 4 (</a:t>
+            </a:r>
+            <a:r>
+              <a:rPr lang="en-IN" sz="2800" dirty="0" err="1"/>
+              <a:t>Nutrophil</a:t>
+            </a:r>
+            <a:r>
+              <a:rPr lang="en-IN" sz="2800" dirty="0"/>
+              <a:t>). Maybe due 	to similar structure of nucleus. </a:t>
+            </a:r>
+          </a:p>
+          <a:p>
+            <a:endParaRPr lang="en-IN" sz="2800" dirty="0"/>
+          </a:p>
+        </p:txBody>
+      </p:sp>
+    </p:spTree>
+    <p:extLst>
+      <p:ext uri="{BB962C8B-B14F-4D97-AF65-F5344CB8AC3E}">
+        <p14:creationId xmlns:p14="http://schemas.microsoft.com/office/powerpoint/2010/main" val="1757338565"/>
+      </p:ext>
+    </p:extLst>
+  </p:cSld>
+  <p:clrMapOvr>
+    <a:masterClrMapping/>
+  </p:clrMapOvr>
+</p:sld>
+</file>
+
+<file path=ppt/slides/slide15.xml><?xml version="1.0" encoding="utf-8"?>
+<p:sld xmlns:a="http://schemas.openxmlformats.org/drawingml/2006/main" xmlns:r="http://schemas.openxmlformats.org/officeDocument/2006/relationships" xmlns:p="http://schemas.openxmlformats.org/presentationml/2006/main">
+  <p:cSld>
+    <p:spTree>
+      <p:nvGrpSpPr>
+        <p:cNvPr id="1" name=""/>
+        <p:cNvGrpSpPr/>
+        <p:nvPr/>
+      </p:nvGrpSpPr>
+      <p:grpSpPr>
+        <a:xfrm>
+          <a:off x="0" y="0"/>
+          <a:ext cx="0" cy="0"/>
+          <a:chOff x="0" y="0"/>
+          <a:chExt cx="0" cy="0"/>
+        </a:xfrm>
+      </p:grpSpPr>
+      <p:sp>
+        <p:nvSpPr>
+          <p:cNvPr id="2" name="Title 1">
+            <a:extLst>
+              <a:ext uri="{FF2B5EF4-FFF2-40B4-BE49-F238E27FC236}">
+                <a16:creationId xmlns:a16="http://schemas.microsoft.com/office/drawing/2014/main" id="{E96D53A3-11B2-40EF-A5B2-F44AF7E65AB0}"/>
+              </a:ext>
+            </a:extLst>
+          </p:cNvPr>
+          <p:cNvSpPr>
+            <a:spLocks noGrp="1"/>
+          </p:cNvSpPr>
+          <p:nvPr>
+            <p:ph type="title"/>
+          </p:nvPr>
+        </p:nvSpPr>
+        <p:spPr/>
+        <p:txBody>
+          <a:bodyPr/>
+          <a:lstStyle/>
+          <a:p>
+            <a:pPr algn="ctr"/>
+            <a:r>
+              <a:rPr lang="en-IN" dirty="0"/>
+              <a:t>Our 5 Mins…</a:t>
+            </a:r>
+          </a:p>
+        </p:txBody>
+      </p:sp>
+      <p:sp>
+        <p:nvSpPr>
+          <p:cNvPr id="3" name="Content Placeholder 2">
+            <a:extLst>
+              <a:ext uri="{FF2B5EF4-FFF2-40B4-BE49-F238E27FC236}">
+                <a16:creationId xmlns:a16="http://schemas.microsoft.com/office/drawing/2014/main" id="{86438388-6944-4934-93A3-9C99CD452298}"/>
+              </a:ext>
+            </a:extLst>
+          </p:cNvPr>
+          <p:cNvSpPr>
+            <a:spLocks noGrp="1"/>
+          </p:cNvSpPr>
+          <p:nvPr>
+            <p:ph idx="1"/>
+          </p:nvPr>
+        </p:nvSpPr>
+        <p:spPr>
+          <a:xfrm>
+            <a:off x="2043780" y="1529543"/>
+            <a:ext cx="8915400" cy="4704347"/>
+          </a:xfrm>
+        </p:spPr>
+        <p:txBody>
+          <a:bodyPr>
+            <a:normAutofit lnSpcReduction="10000"/>
+          </a:bodyPr>
+          <a:lstStyle/>
+          <a:p>
+            <a:pPr marL="0" indent="0">
+              <a:buNone/>
+            </a:pPr>
+            <a:r>
+              <a:rPr lang="en-IN" sz="3200" dirty="0"/>
+              <a:t>Will try to train the model with image augmentation</a:t>
+            </a:r>
+          </a:p>
+          <a:p>
+            <a:pPr marL="0" indent="0">
+              <a:buNone/>
+            </a:pPr>
+            <a:r>
+              <a:rPr lang="en-IN" sz="3200" dirty="0"/>
+              <a:t>How?</a:t>
+            </a:r>
+          </a:p>
+          <a:p>
+            <a:pPr marL="0" indent="0">
+              <a:buNone/>
+            </a:pPr>
+            <a:r>
+              <a:rPr lang="en-IN" sz="3200" dirty="0"/>
+              <a:t>Our augmented dataset is large hence Out of memory errors. </a:t>
+            </a:r>
+          </a:p>
+          <a:p>
+            <a:pPr marL="0" indent="0">
+              <a:buNone/>
+            </a:pPr>
+            <a:r>
+              <a:rPr lang="en-IN" sz="3200" dirty="0"/>
+              <a:t>Will train model in phases. </a:t>
+            </a:r>
+          </a:p>
+          <a:p>
+            <a:pPr marL="0" indent="0">
+              <a:buNone/>
+            </a:pPr>
+            <a:r>
+              <a:rPr lang="en-IN" sz="3200" dirty="0"/>
+              <a:t>(25% training in first phase then save the model to retrain on another batch and so on… )</a:t>
+            </a:r>
+          </a:p>
+        </p:txBody>
+      </p:sp>
+    </p:spTree>
+    <p:extLst>
+      <p:ext uri="{BB962C8B-B14F-4D97-AF65-F5344CB8AC3E}">
+        <p14:creationId xmlns:p14="http://schemas.microsoft.com/office/powerpoint/2010/main" val="4109855815"/>
+      </p:ext>
+    </p:extLst>
+  </p:cSld>
+  <p:clrMapOvr>
+    <a:masterClrMapping/>
+  </p:clrMapOvr>
+</p:sld>
+</file>
+
+<file path=ppt/slides/slide16.xml><?xml version="1.0" encoding="utf-8"?>
+<p:sld xmlns:a="http://schemas.openxmlformats.org/drawingml/2006/main" xmlns:r="http://schemas.openxmlformats.org/officeDocument/2006/relationships" xmlns:p="http://schemas.openxmlformats.org/presentationml/2006/main">
+  <p:cSld>
+    <p:spTree>
+      <p:nvGrpSpPr>
+        <p:cNvPr id="1" name=""/>
+        <p:cNvGrpSpPr/>
+        <p:nvPr/>
+      </p:nvGrpSpPr>
+      <p:grpSpPr>
+        <a:xfrm>
+          <a:off x="0" y="0"/>
+          <a:ext cx="0" cy="0"/>
+          <a:chOff x="0" y="0"/>
+          <a:chExt cx="0" cy="0"/>
+        </a:xfrm>
+      </p:grpSpPr>
+      <p:sp>
+        <p:nvSpPr>
+          <p:cNvPr id="2" name="Title 1">
+            <a:extLst>
+              <a:ext uri="{FF2B5EF4-FFF2-40B4-BE49-F238E27FC236}">
                 <a16:creationId xmlns:a16="http://schemas.microsoft.com/office/drawing/2014/main" id="{6BD633A6-C4D8-4318-87F4-7FDEF4A96713}"/>
               </a:ext>
             </a:extLst>
@@ -8127,7 +9024,7 @@
 </p:sld>
 </file>
 
-<file path=ppt/slides/slide12.xml><?xml version="1.0" encoding="utf-8"?>
+<file path=ppt/slides/slide17.xml><?xml version="1.0" encoding="utf-8"?>
 <p:sld xmlns:a="http://schemas.openxmlformats.org/drawingml/2006/main" xmlns:r="http://schemas.openxmlformats.org/officeDocument/2006/relationships" xmlns:p="http://schemas.openxmlformats.org/presentationml/2006/main">
   <p:cSld>
     <p:spTree>
@@ -8390,12 +9287,6 @@
           <a:p>
             <a:r>
               <a:rPr lang="en-IN" dirty="0"/>
-              <a:t>Data Augmentation</a:t>
-            </a:r>
-          </a:p>
-          <a:p>
-            <a:r>
-              <a:rPr lang="en-IN" dirty="0"/>
               <a:t>Image Segmentation</a:t>
             </a:r>
           </a:p>
@@ -8421,90 +9312,6 @@
 </file>
 
 <file path=ppt/slides/slide4.xml><?xml version="1.0" encoding="utf-8"?>
-<p:sld xmlns:a="http://schemas.openxmlformats.org/drawingml/2006/main" xmlns:r="http://schemas.openxmlformats.org/officeDocument/2006/relationships" xmlns:p="http://schemas.openxmlformats.org/presentationml/2006/main">
-  <p:cSld>
-    <p:spTree>
-      <p:nvGrpSpPr>
-        <p:cNvPr id="1" name=""/>
-        <p:cNvGrpSpPr/>
-        <p:nvPr/>
-      </p:nvGrpSpPr>
-      <p:grpSpPr>
-        <a:xfrm>
-          <a:off x="0" y="0"/>
-          <a:ext cx="0" cy="0"/>
-          <a:chOff x="0" y="0"/>
-          <a:chExt cx="0" cy="0"/>
-        </a:xfrm>
-      </p:grpSpPr>
-      <p:sp>
-        <p:nvSpPr>
-          <p:cNvPr id="2" name="Title 1">
-            <a:extLst>
-              <a:ext uri="{FF2B5EF4-FFF2-40B4-BE49-F238E27FC236}">
-                <a16:creationId xmlns:a16="http://schemas.microsoft.com/office/drawing/2014/main" id="{5F0E4F86-6D6F-442A-BE5B-70A06615ECA0}"/>
-              </a:ext>
-            </a:extLst>
-          </p:cNvPr>
-          <p:cNvSpPr>
-            <a:spLocks noGrp="1"/>
-          </p:cNvSpPr>
-          <p:nvPr>
-            <p:ph type="title"/>
-          </p:nvPr>
-        </p:nvSpPr>
-        <p:spPr/>
-        <p:txBody>
-          <a:bodyPr/>
-          <a:lstStyle/>
-          <a:p>
-            <a:pPr algn="ctr"/>
-            <a:r>
-              <a:rPr lang="en-IN" dirty="0"/>
-              <a:t>Data Augmentation</a:t>
-            </a:r>
-          </a:p>
-        </p:txBody>
-      </p:sp>
-      <p:sp>
-        <p:nvSpPr>
-          <p:cNvPr id="3" name="Content Placeholder 2">
-            <a:extLst>
-              <a:ext uri="{FF2B5EF4-FFF2-40B4-BE49-F238E27FC236}">
-                <a16:creationId xmlns:a16="http://schemas.microsoft.com/office/drawing/2014/main" id="{7038784C-CADF-49A6-919E-0FB28ECEBEC4}"/>
-              </a:ext>
-            </a:extLst>
-          </p:cNvPr>
-          <p:cNvSpPr>
-            <a:spLocks noGrp="1"/>
-          </p:cNvSpPr>
-          <p:nvPr>
-            <p:ph idx="1"/>
-          </p:nvPr>
-        </p:nvSpPr>
-        <p:spPr/>
-        <p:txBody>
-          <a:bodyPr/>
-          <a:lstStyle/>
-          <a:p>
-            <a:endParaRPr lang="en-IN"/>
-          </a:p>
-        </p:txBody>
-      </p:sp>
-    </p:spTree>
-    <p:extLst>
-      <p:ext uri="{BB962C8B-B14F-4D97-AF65-F5344CB8AC3E}">
-        <p14:creationId xmlns:p14="http://schemas.microsoft.com/office/powerpoint/2010/main" val="2204329682"/>
-      </p:ext>
-    </p:extLst>
-  </p:cSld>
-  <p:clrMapOvr>
-    <a:masterClrMapping/>
-  </p:clrMapOvr>
-</p:sld>
-</file>
-
-<file path=ppt/slides/slide5.xml><?xml version="1.0" encoding="utf-8"?>
 <p:sld xmlns:a="http://schemas.openxmlformats.org/drawingml/2006/main" xmlns:r="http://schemas.openxmlformats.org/officeDocument/2006/relationships" xmlns:p="http://schemas.openxmlformats.org/presentationml/2006/main">
   <p:cSld>
     <p:spTree>
@@ -8930,7 +9737,7 @@
             <a:lstStyle/>
             <a:p>
               <a:pPr algn="ctr"/>
-              <a:endParaRPr lang="en-IN"/>
+              <a:endParaRPr lang="en-IN" dirty="0"/>
             </a:p>
           </p:txBody>
         </p:sp>
@@ -9213,7 +10020,7 @@
 </p:sld>
 </file>
 
-<file path=ppt/slides/slide6.xml><?xml version="1.0" encoding="utf-8"?>
+<file path=ppt/slides/slide5.xml><?xml version="1.0" encoding="utf-8"?>
 <p:sld xmlns:a="http://schemas.openxmlformats.org/drawingml/2006/main" xmlns:r="http://schemas.openxmlformats.org/officeDocument/2006/relationships" xmlns:p="http://schemas.openxmlformats.org/presentationml/2006/main">
   <p:cSld>
     <p:spTree>
@@ -9718,6 +10525,111 @@
 </p:sld>
 </file>
 
+<file path=ppt/slides/slide6.xml><?xml version="1.0" encoding="utf-8"?>
+<p:sld xmlns:a="http://schemas.openxmlformats.org/drawingml/2006/main" xmlns:r="http://schemas.openxmlformats.org/officeDocument/2006/relationships" xmlns:p="http://schemas.openxmlformats.org/presentationml/2006/main">
+  <p:cSld>
+    <p:spTree>
+      <p:nvGrpSpPr>
+        <p:cNvPr id="1" name=""/>
+        <p:cNvGrpSpPr/>
+        <p:nvPr/>
+      </p:nvGrpSpPr>
+      <p:grpSpPr>
+        <a:xfrm>
+          <a:off x="0" y="0"/>
+          <a:ext cx="0" cy="0"/>
+          <a:chOff x="0" y="0"/>
+          <a:chExt cx="0" cy="0"/>
+        </a:xfrm>
+      </p:grpSpPr>
+      <p:sp>
+        <p:nvSpPr>
+          <p:cNvPr id="2" name="Title 1">
+            <a:extLst>
+              <a:ext uri="{FF2B5EF4-FFF2-40B4-BE49-F238E27FC236}">
+                <a16:creationId xmlns:a16="http://schemas.microsoft.com/office/drawing/2014/main" id="{56A52644-0226-43E1-97F6-DED032310266}"/>
+              </a:ext>
+            </a:extLst>
+          </p:cNvPr>
+          <p:cNvSpPr>
+            <a:spLocks noGrp="1"/>
+          </p:cNvSpPr>
+          <p:nvPr>
+            <p:ph type="title"/>
+          </p:nvPr>
+        </p:nvSpPr>
+        <p:spPr/>
+        <p:txBody>
+          <a:bodyPr/>
+          <a:lstStyle/>
+          <a:p>
+            <a:pPr algn="ctr"/>
+            <a:r>
+              <a:rPr lang="en-IN" dirty="0"/>
+              <a:t>Image Segmentation</a:t>
+            </a:r>
+          </a:p>
+        </p:txBody>
+      </p:sp>
+      <p:sp>
+        <p:nvSpPr>
+          <p:cNvPr id="3" name="Content Placeholder 2">
+            <a:extLst>
+              <a:ext uri="{FF2B5EF4-FFF2-40B4-BE49-F238E27FC236}">
+                <a16:creationId xmlns:a16="http://schemas.microsoft.com/office/drawing/2014/main" id="{460570BB-0664-4947-A74E-95136EE8BAF8}"/>
+              </a:ext>
+            </a:extLst>
+          </p:cNvPr>
+          <p:cNvSpPr>
+            <a:spLocks noGrp="1"/>
+          </p:cNvSpPr>
+          <p:nvPr>
+            <p:ph idx="1"/>
+          </p:nvPr>
+        </p:nvSpPr>
+        <p:spPr/>
+        <p:txBody>
+          <a:bodyPr/>
+          <a:lstStyle/>
+          <a:p>
+            <a:r>
+              <a:rPr lang="en-IN" dirty="0"/>
+              <a:t>Not the best technique out there.</a:t>
+            </a:r>
+          </a:p>
+          <a:p>
+            <a:r>
+              <a:rPr lang="en-IN" dirty="0"/>
+              <a:t>Works well for the colour scheme in our dataset.</a:t>
+            </a:r>
+          </a:p>
+          <a:p>
+            <a:r>
+              <a:rPr lang="en-IN" dirty="0"/>
+              <a:t>There are some images which do not work well with my nucleus segmentation technique.</a:t>
+            </a:r>
+          </a:p>
+          <a:p>
+            <a:r>
+              <a:rPr lang="en-IN" dirty="0"/>
+              <a:t>Unable to completely remove all other cell holes in cell segmentation</a:t>
+            </a:r>
+          </a:p>
+        </p:txBody>
+      </p:sp>
+    </p:spTree>
+    <p:extLst>
+      <p:ext uri="{BB962C8B-B14F-4D97-AF65-F5344CB8AC3E}">
+        <p14:creationId xmlns:p14="http://schemas.microsoft.com/office/powerpoint/2010/main" val="2795269684"/>
+      </p:ext>
+    </p:extLst>
+  </p:cSld>
+  <p:clrMapOvr>
+    <a:masterClrMapping/>
+  </p:clrMapOvr>
+</p:sld>
+</file>
+
 <file path=ppt/slides/slide7.xml><?xml version="1.0" encoding="utf-8"?>
 <p:sld xmlns:a="http://schemas.openxmlformats.org/drawingml/2006/main" xmlns:r="http://schemas.openxmlformats.org/officeDocument/2006/relationships" xmlns:p="http://schemas.openxmlformats.org/presentationml/2006/main">
   <p:cSld>
@@ -9740,7 +10652,7 @@
           <p:cNvPr id="2" name="Title 1">
             <a:extLst>
               <a:ext uri="{FF2B5EF4-FFF2-40B4-BE49-F238E27FC236}">
-                <a16:creationId xmlns:a16="http://schemas.microsoft.com/office/drawing/2014/main" id="{56A52644-0226-43E1-97F6-DED032310266}"/>
+                <a16:creationId xmlns:a16="http://schemas.microsoft.com/office/drawing/2014/main" id="{40BDB659-8190-468D-82B2-AB903D43D6A7}"/>
               </a:ext>
             </a:extLst>
           </p:cNvPr>
@@ -9751,7 +10663,12 @@
             <p:ph type="title"/>
           </p:nvPr>
         </p:nvSpPr>
-        <p:spPr/>
+        <p:spPr>
+          <a:xfrm>
+            <a:off x="1703692" y="2293519"/>
+            <a:ext cx="8911687" cy="1280890"/>
+          </a:xfrm>
+        </p:spPr>
         <p:txBody>
           <a:bodyPr/>
           <a:lstStyle/>
@@ -9759,53 +10676,7 @@
             <a:pPr algn="ctr"/>
             <a:r>
               <a:rPr lang="en-IN" dirty="0"/>
-              <a:t>Image Segmentation</a:t>
-            </a:r>
-          </a:p>
-        </p:txBody>
-      </p:sp>
-      <p:sp>
-        <p:nvSpPr>
-          <p:cNvPr id="3" name="Content Placeholder 2">
-            <a:extLst>
-              <a:ext uri="{FF2B5EF4-FFF2-40B4-BE49-F238E27FC236}">
-                <a16:creationId xmlns:a16="http://schemas.microsoft.com/office/drawing/2014/main" id="{460570BB-0664-4947-A74E-95136EE8BAF8}"/>
-              </a:ext>
-            </a:extLst>
-          </p:cNvPr>
-          <p:cNvSpPr>
-            <a:spLocks noGrp="1"/>
-          </p:cNvSpPr>
-          <p:nvPr>
-            <p:ph idx="1"/>
-          </p:nvPr>
-        </p:nvSpPr>
-        <p:spPr/>
-        <p:txBody>
-          <a:bodyPr/>
-          <a:lstStyle/>
-          <a:p>
-            <a:r>
-              <a:rPr lang="en-IN" dirty="0"/>
-              <a:t>Not the best technique out there.</a:t>
-            </a:r>
-          </a:p>
-          <a:p>
-            <a:r>
-              <a:rPr lang="en-IN" dirty="0"/>
-              <a:t>Works well for the colour scheme in our dataset.</a:t>
-            </a:r>
-          </a:p>
-          <a:p>
-            <a:r>
-              <a:rPr lang="en-IN" dirty="0"/>
-              <a:t>There are some images which do not work well with my nucleus segmentation technique.</a:t>
-            </a:r>
-          </a:p>
-          <a:p>
-            <a:r>
-              <a:rPr lang="en-IN" dirty="0"/>
-              <a:t>Unable to completely remove all other cell holes in cell segmentation</a:t>
+              <a:t>Trying different models and their results</a:t>
             </a:r>
           </a:p>
         </p:txBody>
@@ -9813,7 +10684,7 @@
     </p:spTree>
     <p:extLst>
       <p:ext uri="{BB962C8B-B14F-4D97-AF65-F5344CB8AC3E}">
-        <p14:creationId xmlns:p14="http://schemas.microsoft.com/office/powerpoint/2010/main" val="2795269684"/>
+        <p14:creationId xmlns:p14="http://schemas.microsoft.com/office/powerpoint/2010/main" val="2410045515"/>
       </p:ext>
     </p:extLst>
   </p:cSld>
@@ -9845,7 +10716,7 @@
           <p:cNvPr id="2" name="Title 1">
             <a:extLst>
               <a:ext uri="{FF2B5EF4-FFF2-40B4-BE49-F238E27FC236}">
-                <a16:creationId xmlns:a16="http://schemas.microsoft.com/office/drawing/2014/main" id="{40BDB659-8190-468D-82B2-AB903D43D6A7}"/>
+                <a16:creationId xmlns:a16="http://schemas.microsoft.com/office/drawing/2014/main" id="{67806CBB-EE93-476A-A033-924CF6839014}"/>
               </a:ext>
             </a:extLst>
           </p:cNvPr>
@@ -9856,48 +10727,98 @@
             <p:ph type="title"/>
           </p:nvPr>
         </p:nvSpPr>
-        <p:spPr/>
-        <p:txBody>
-          <a:bodyPr/>
+        <p:spPr>
+          <a:xfrm>
+            <a:off x="1519134" y="598942"/>
+            <a:ext cx="9870761" cy="2830058"/>
+          </a:xfrm>
+        </p:spPr>
+        <p:txBody>
+          <a:bodyPr>
+            <a:normAutofit fontScale="90000"/>
+          </a:bodyPr>
           <a:lstStyle/>
           <a:p>
-            <a:pPr algn="ctr"/>
             <a:r>
               <a:rPr lang="en-IN" dirty="0"/>
-              <a:t>Trying different models and their results</a:t>
-            </a:r>
-          </a:p>
-        </p:txBody>
-      </p:sp>
-      <p:sp>
-        <p:nvSpPr>
-          <p:cNvPr id="3" name="Content Placeholder 2">
+              <a:t>Model 1 (Base model): Simple CNN</a:t>
+            </a:r>
+            <a:br>
+              <a:rPr lang="en-IN" dirty="0"/>
+            </a:br>
+            <a:r>
+              <a:rPr lang="en-IN" dirty="0"/>
+              <a:t>2 Conv2D layer + 2 Dense Layer + Adam optimiser + One-hot-encoding + 30 epochs</a:t>
+            </a:r>
+            <a:br>
+              <a:rPr lang="en-IN" dirty="0"/>
+            </a:br>
+            <a:br>
+              <a:rPr lang="en-IN" dirty="0"/>
+            </a:br>
+            <a:r>
+              <a:rPr lang="en-IN" dirty="0"/>
+              <a:t>Training </a:t>
+            </a:r>
+            <a:r>
+              <a:rPr lang="en-IN" dirty="0" err="1"/>
+              <a:t>acc</a:t>
+            </a:r>
+            <a:r>
+              <a:rPr lang="en-IN" dirty="0"/>
+              <a:t> = 99.97%, Testing </a:t>
+            </a:r>
+            <a:r>
+              <a:rPr lang="en-IN" dirty="0" err="1"/>
+              <a:t>acc</a:t>
+            </a:r>
+            <a:r>
+              <a:rPr lang="en-IN" dirty="0"/>
+              <a:t> = 27.51%</a:t>
+            </a:r>
+          </a:p>
+        </p:txBody>
+      </p:sp>
+      <p:pic>
+        <p:nvPicPr>
+          <p:cNvPr id="5" name="Picture 4">
             <a:extLst>
               <a:ext uri="{FF2B5EF4-FFF2-40B4-BE49-F238E27FC236}">
-                <a16:creationId xmlns:a16="http://schemas.microsoft.com/office/drawing/2014/main" id="{7B952952-649C-4D56-9153-F92B0811A3AA}"/>
+                <a16:creationId xmlns:a16="http://schemas.microsoft.com/office/drawing/2014/main" id="{64853F18-BA04-42A5-839C-8286A6485E29}"/>
               </a:ext>
             </a:extLst>
           </p:cNvPr>
-          <p:cNvSpPr>
-            <a:spLocks noGrp="1"/>
-          </p:cNvSpPr>
-          <p:nvPr>
-            <p:ph idx="1"/>
-          </p:nvPr>
-        </p:nvSpPr>
-        <p:spPr/>
-        <p:txBody>
-          <a:bodyPr/>
-          <a:lstStyle/>
-          <a:p>
-            <a:endParaRPr lang="en-IN" dirty="0"/>
-          </a:p>
-        </p:txBody>
-      </p:sp>
+          <p:cNvPicPr>
+            <a:picLocks noChangeAspect="1"/>
+          </p:cNvPicPr>
+          <p:nvPr/>
+        </p:nvPicPr>
+        <p:blipFill>
+          <a:blip r:embed="rId2">
+            <a:extLst>
+              <a:ext uri="{28A0092B-C50C-407E-A947-70E740481C1C}">
+                <a14:useLocalDpi xmlns:a14="http://schemas.microsoft.com/office/drawing/2010/main" val="0"/>
+              </a:ext>
+            </a:extLst>
+          </a:blip>
+          <a:stretch>
+            <a:fillRect/>
+          </a:stretch>
+        </p:blipFill>
+        <p:spPr>
+          <a:xfrm>
+            <a:off x="1519134" y="3429000"/>
+            <a:ext cx="7031514" cy="2300634"/>
+          </a:xfrm>
+          <a:prstGeom prst="rect">
+            <a:avLst/>
+          </a:prstGeom>
+        </p:spPr>
+      </p:pic>
     </p:spTree>
     <p:extLst>
       <p:ext uri="{BB962C8B-B14F-4D97-AF65-F5344CB8AC3E}">
-        <p14:creationId xmlns:p14="http://schemas.microsoft.com/office/powerpoint/2010/main" val="2410045515"/>
+        <p14:creationId xmlns:p14="http://schemas.microsoft.com/office/powerpoint/2010/main" val="3698793427"/>
       </p:ext>
     </p:extLst>
   </p:cSld>
@@ -9929,7 +10850,7 @@
           <p:cNvPr id="2" name="Title 1">
             <a:extLst>
               <a:ext uri="{FF2B5EF4-FFF2-40B4-BE49-F238E27FC236}">
-                <a16:creationId xmlns:a16="http://schemas.microsoft.com/office/drawing/2014/main" id="{452F852B-5392-472A-BA26-FC681FB41103}"/>
+                <a16:creationId xmlns:a16="http://schemas.microsoft.com/office/drawing/2014/main" id="{1F2E4114-72BE-49DF-AD07-7CFFD7C7A1F0}"/>
               </a:ext>
             </a:extLst>
           </p:cNvPr>
@@ -9940,48 +10861,234 @@
             <p:ph type="title"/>
           </p:nvPr>
         </p:nvSpPr>
-        <p:spPr/>
-        <p:txBody>
-          <a:bodyPr/>
+        <p:spPr>
+          <a:xfrm>
+            <a:off x="1636295" y="223351"/>
+            <a:ext cx="9868317" cy="1055093"/>
+          </a:xfrm>
+        </p:spPr>
+        <p:txBody>
+          <a:bodyPr>
+            <a:normAutofit fontScale="90000"/>
+          </a:bodyPr>
           <a:lstStyle/>
           <a:p>
-            <a:pPr algn="ctr"/>
             <a:r>
               <a:rPr lang="en-IN" dirty="0"/>
-              <a:t>Problems we see and possible fixes</a:t>
-            </a:r>
-          </a:p>
-        </p:txBody>
-      </p:sp>
-      <p:sp>
-        <p:nvSpPr>
-          <p:cNvPr id="3" name="Content Placeholder 2">
+              <a:t>Model 2: Model 1 + image segmentation using </a:t>
+            </a:r>
+            <a:r>
+              <a:rPr lang="en-IN" dirty="0" err="1"/>
+              <a:t>otsu</a:t>
+            </a:r>
+            <a:r>
+              <a:rPr lang="en-IN" dirty="0"/>
+              <a:t> thresholding</a:t>
+            </a:r>
+          </a:p>
+        </p:txBody>
+      </p:sp>
+      <p:pic>
+        <p:nvPicPr>
+          <p:cNvPr id="4" name="Picture 3">
             <a:extLst>
               <a:ext uri="{FF2B5EF4-FFF2-40B4-BE49-F238E27FC236}">
-                <a16:creationId xmlns:a16="http://schemas.microsoft.com/office/drawing/2014/main" id="{7113AB70-1CA6-4EC7-B145-C186DF2298BD}"/>
+                <a16:creationId xmlns:a16="http://schemas.microsoft.com/office/drawing/2014/main" id="{1C99DF09-BA49-4E36-8B74-35E0AAE01332}"/>
               </a:ext>
             </a:extLst>
           </p:cNvPr>
-          <p:cNvSpPr>
-            <a:spLocks noGrp="1"/>
-          </p:cNvSpPr>
-          <p:nvPr>
-            <p:ph idx="1"/>
-          </p:nvPr>
-        </p:nvSpPr>
-        <p:spPr/>
-        <p:txBody>
-          <a:bodyPr/>
+          <p:cNvPicPr>
+            <a:picLocks noChangeAspect="1"/>
+          </p:cNvPicPr>
+          <p:nvPr/>
+        </p:nvPicPr>
+        <p:blipFill>
+          <a:blip r:embed="rId2">
+            <a:extLst>
+              <a:ext uri="{28A0092B-C50C-407E-A947-70E740481C1C}">
+                <a14:useLocalDpi xmlns:a14="http://schemas.microsoft.com/office/drawing/2010/main" val="0"/>
+              </a:ext>
+            </a:extLst>
+          </a:blip>
+          <a:stretch>
+            <a:fillRect/>
+          </a:stretch>
+        </p:blipFill>
+        <p:spPr>
+          <a:xfrm>
+            <a:off x="1636294" y="1278445"/>
+            <a:ext cx="2502569" cy="1876926"/>
+          </a:xfrm>
+          <a:prstGeom prst="rect">
+            <a:avLst/>
+          </a:prstGeom>
+        </p:spPr>
+      </p:pic>
+      <p:sp>
+        <p:nvSpPr>
+          <p:cNvPr id="5" name="Arrow: Right 4">
+            <a:extLst>
+              <a:ext uri="{FF2B5EF4-FFF2-40B4-BE49-F238E27FC236}">
+                <a16:creationId xmlns:a16="http://schemas.microsoft.com/office/drawing/2014/main" id="{DA09481C-86B1-4F0F-9064-F68A19BDA037}"/>
+              </a:ext>
+            </a:extLst>
+          </p:cNvPr>
+          <p:cNvSpPr/>
+          <p:nvPr/>
+        </p:nvSpPr>
+        <p:spPr>
+          <a:xfrm>
+            <a:off x="4894723" y="2026407"/>
+            <a:ext cx="1400175" cy="381000"/>
+          </a:xfrm>
+          <a:prstGeom prst="rightArrow">
+            <a:avLst/>
+          </a:prstGeom>
+        </p:spPr>
+        <p:style>
+          <a:lnRef idx="2">
+            <a:schemeClr val="accent1">
+              <a:shade val="50000"/>
+            </a:schemeClr>
+          </a:lnRef>
+          <a:fillRef idx="1">
+            <a:schemeClr val="accent1"/>
+          </a:fillRef>
+          <a:effectRef idx="0">
+            <a:schemeClr val="accent1"/>
+          </a:effectRef>
+          <a:fontRef idx="minor">
+            <a:schemeClr val="lt1"/>
+          </a:fontRef>
+        </p:style>
+        <p:txBody>
+          <a:bodyPr rtlCol="0" anchor="ctr"/>
           <a:lstStyle/>
           <a:p>
+            <a:pPr algn="ctr"/>
             <a:endParaRPr lang="en-IN"/>
           </a:p>
         </p:txBody>
       </p:sp>
+      <p:pic>
+        <p:nvPicPr>
+          <p:cNvPr id="6" name="Picture 5">
+            <a:extLst>
+              <a:ext uri="{FF2B5EF4-FFF2-40B4-BE49-F238E27FC236}">
+                <a16:creationId xmlns:a16="http://schemas.microsoft.com/office/drawing/2014/main" id="{7360C96C-15FE-426A-8525-A4052A5EF7D1}"/>
+              </a:ext>
+            </a:extLst>
+          </p:cNvPr>
+          <p:cNvPicPr>
+            <a:picLocks noChangeAspect="1"/>
+          </p:cNvPicPr>
+          <p:nvPr/>
+        </p:nvPicPr>
+        <p:blipFill>
+          <a:blip r:embed="rId3">
+            <a:extLst>
+              <a:ext uri="{28A0092B-C50C-407E-A947-70E740481C1C}">
+                <a14:useLocalDpi xmlns:a14="http://schemas.microsoft.com/office/drawing/2010/main" val="0"/>
+              </a:ext>
+            </a:extLst>
+          </a:blip>
+          <a:stretch>
+            <a:fillRect/>
+          </a:stretch>
+        </p:blipFill>
+        <p:spPr>
+          <a:xfrm>
+            <a:off x="7050759" y="1278444"/>
+            <a:ext cx="2502569" cy="1876927"/>
+          </a:xfrm>
+          <a:prstGeom prst="rect">
+            <a:avLst/>
+          </a:prstGeom>
+        </p:spPr>
+      </p:pic>
+      <p:sp>
+        <p:nvSpPr>
+          <p:cNvPr id="7" name="TextBox 6">
+            <a:extLst>
+              <a:ext uri="{FF2B5EF4-FFF2-40B4-BE49-F238E27FC236}">
+                <a16:creationId xmlns:a16="http://schemas.microsoft.com/office/drawing/2014/main" id="{CFA1AE83-8379-419E-A730-52915E6BCE34}"/>
+              </a:ext>
+            </a:extLst>
+          </p:cNvPr>
+          <p:cNvSpPr txBox="1"/>
+          <p:nvPr/>
+        </p:nvSpPr>
+        <p:spPr>
+          <a:xfrm>
+            <a:off x="1636293" y="3429000"/>
+            <a:ext cx="9111917" cy="584775"/>
+          </a:xfrm>
+          <a:prstGeom prst="rect">
+            <a:avLst/>
+          </a:prstGeom>
+          <a:noFill/>
+        </p:spPr>
+        <p:txBody>
+          <a:bodyPr wrap="square" rtlCol="0">
+            <a:spAutoFit/>
+          </a:bodyPr>
+          <a:lstStyle/>
+          <a:p>
+            <a:r>
+              <a:rPr lang="en-IN" sz="3200" dirty="0"/>
+              <a:t>Training </a:t>
+            </a:r>
+            <a:r>
+              <a:rPr lang="en-IN" sz="3200" dirty="0" err="1"/>
+              <a:t>acc</a:t>
+            </a:r>
+            <a:r>
+              <a:rPr lang="en-IN" sz="3200" dirty="0"/>
+              <a:t> = 98 % , Testing accuracy = 70%</a:t>
+            </a:r>
+          </a:p>
+        </p:txBody>
+      </p:sp>
+      <p:pic>
+        <p:nvPicPr>
+          <p:cNvPr id="9" name="Picture 8">
+            <a:extLst>
+              <a:ext uri="{FF2B5EF4-FFF2-40B4-BE49-F238E27FC236}">
+                <a16:creationId xmlns:a16="http://schemas.microsoft.com/office/drawing/2014/main" id="{636C746F-7974-47F1-A79F-6A3FE2526FCC}"/>
+              </a:ext>
+            </a:extLst>
+          </p:cNvPr>
+          <p:cNvPicPr>
+            <a:picLocks noChangeAspect="1"/>
+          </p:cNvPicPr>
+          <p:nvPr/>
+        </p:nvPicPr>
+        <p:blipFill>
+          <a:blip r:embed="rId4">
+            <a:extLst>
+              <a:ext uri="{28A0092B-C50C-407E-A947-70E740481C1C}">
+                <a14:useLocalDpi xmlns:a14="http://schemas.microsoft.com/office/drawing/2010/main" val="0"/>
+              </a:ext>
+            </a:extLst>
+          </a:blip>
+          <a:stretch>
+            <a:fillRect/>
+          </a:stretch>
+        </p:blipFill>
+        <p:spPr>
+          <a:xfrm>
+            <a:off x="1636293" y="4018983"/>
+            <a:ext cx="6871490" cy="2321874"/>
+          </a:xfrm>
+          <a:prstGeom prst="rect">
+            <a:avLst/>
+          </a:prstGeom>
+        </p:spPr>
+      </p:pic>
     </p:spTree>
     <p:extLst>
       <p:ext uri="{BB962C8B-B14F-4D97-AF65-F5344CB8AC3E}">
-        <p14:creationId xmlns:p14="http://schemas.microsoft.com/office/powerpoint/2010/main" val="1757338565"/>
+        <p14:creationId xmlns:p14="http://schemas.microsoft.com/office/powerpoint/2010/main" val="3135506846"/>
       </p:ext>
     </p:extLst>
   </p:cSld>

--- a/Presentation/Project Final.pptx
+++ b/Presentation/Project Final.pptx
@@ -8639,40 +8639,19 @@
           <a:p>
             <a:r>
               <a:rPr lang="en-IN" sz="2800" dirty="0"/>
-              <a:t>Possible problematic areas</a:t>
-            </a:r>
-            <a:br>
+              <a:t>No Image Augmentation.</a:t>
+            </a:r>
+          </a:p>
+          <a:p>
+            <a:r>
               <a:rPr lang="en-IN" sz="2800" dirty="0"/>
-            </a:br>
+              <a:t>Image Segmentation is not perfect.</a:t>
+            </a:r>
+          </a:p>
+          <a:p>
             <a:r>
               <a:rPr lang="en-IN" sz="2800" dirty="0"/>
-              <a:t>1 : No Image Augmentation</a:t>
-            </a:r>
-          </a:p>
-          <a:p>
-            <a:pPr marL="0" indent="0">
-              <a:buNone/>
-            </a:pPr>
-            <a:r>
-              <a:rPr lang="en-IN" sz="2800" dirty="0"/>
-              <a:t> 	2 : Still not clear image , needs to be cropped</a:t>
-            </a:r>
-          </a:p>
-          <a:p>
-            <a:pPr marL="0" indent="0">
-              <a:buNone/>
-            </a:pPr>
-            <a:r>
-              <a:rPr lang="en-IN" sz="2800" dirty="0"/>
-              <a:t>    3 : Model Getting confused in Class 1 	(Eosinophil) and class 4 (</a:t>
-            </a:r>
-            <a:r>
-              <a:rPr lang="en-IN" sz="2800" dirty="0" err="1"/>
-              <a:t>Nutrophil</a:t>
-            </a:r>
-            <a:r>
-              <a:rPr lang="en-IN" sz="2800" dirty="0"/>
-              <a:t>). Maybe due 	to similar structure of nucleus. </a:t>
+              <a:t>The model is getting confused between class 1 	(Eosinophil) and class 4 (Neutrophil). Maybe due to the similar structure of nucleus. </a:t>
             </a:r>
           </a:p>
           <a:p>
@@ -8767,36 +8746,24 @@
           </a:bodyPr>
           <a:lstStyle/>
           <a:p>
-            <a:pPr marL="0" indent="0">
-              <a:buNone/>
-            </a:pPr>
             <a:r>
               <a:rPr lang="en-IN" sz="3200" dirty="0"/>
-              <a:t>Will try to train the model with image augmentation</a:t>
-            </a:r>
-          </a:p>
-          <a:p>
-            <a:pPr marL="0" indent="0">
-              <a:buNone/>
-            </a:pPr>
+              <a:t>Will try to train the model with image augmentation.</a:t>
+            </a:r>
+          </a:p>
+          <a:p>
             <a:r>
               <a:rPr lang="en-IN" sz="3200" dirty="0"/>
               <a:t>How?</a:t>
             </a:r>
           </a:p>
           <a:p>
-            <a:pPr marL="0" indent="0">
-              <a:buNone/>
-            </a:pPr>
             <a:r>
               <a:rPr lang="en-IN" sz="3200" dirty="0"/>
-              <a:t>Our augmented dataset is large hence Out of memory errors. </a:t>
-            </a:r>
-          </a:p>
-          <a:p>
-            <a:pPr marL="0" indent="0">
-              <a:buNone/>
-            </a:pPr>
+              <a:t>Our augmented dataset is large hence “Out of memory” errors. </a:t>
+            </a:r>
+          </a:p>
+          <a:p>
             <a:r>
               <a:rPr lang="en-IN" sz="3200" dirty="0"/>
               <a:t>Will train model in phases. </a:t>
@@ -8808,7 +8775,7 @@
             </a:pPr>
             <a:r>
               <a:rPr lang="en-IN" sz="3200" dirty="0"/>
-              <a:t>(25% training in first phase then save the model to retrain on another batch and so on… )</a:t>
+              <a:t>	(25% training in first phase then save the 	model to retrain on another batch and so 	on… )</a:t>
             </a:r>
           </a:p>
         </p:txBody>
@@ -8888,50 +8855,16 @@
             <p:ph idx="1"/>
           </p:nvPr>
         </p:nvSpPr>
-        <p:spPr/>
+        <p:spPr>
+          <a:xfrm>
+            <a:off x="2589212" y="1491449"/>
+            <a:ext cx="8915400" cy="4971495"/>
+          </a:xfrm>
+        </p:spPr>
         <p:txBody>
           <a:bodyPr/>
           <a:lstStyle/>
           <a:p>
-            <a:r>
-              <a:rPr lang="en-IN" dirty="0"/>
-              <a:t>Information on NN:-</a:t>
-            </a:r>
-          </a:p>
-          <a:p>
-            <a:pPr lvl="1"/>
-            <a:r>
-              <a:rPr lang="en-IN" dirty="0"/>
-              <a:t>Basic NN:- Course on </a:t>
-            </a:r>
-            <a:r>
-              <a:rPr lang="en-IN" dirty="0" err="1"/>
-              <a:t>coursera</a:t>
-            </a:r>
-            <a:r>
-              <a:rPr lang="en-IN" dirty="0"/>
-              <a:t> by Andrew Ng</a:t>
-            </a:r>
-          </a:p>
-          <a:p>
-            <a:pPr lvl="1"/>
-            <a:r>
-              <a:rPr lang="en-IN" dirty="0"/>
-              <a:t>CNN:- Ming Li (MIT, waterloo) lectures on Deep Learning and google</a:t>
-            </a:r>
-          </a:p>
-          <a:p>
-            <a:pPr lvl="1"/>
-            <a:endParaRPr lang="en-IN" dirty="0"/>
-          </a:p>
-          <a:p>
-            <a:r>
-              <a:rPr lang="en-IN" dirty="0"/>
-              <a:t>Research Papers:-</a:t>
-            </a:r>
-          </a:p>
-          <a:p>
-            <a:pPr lvl="1"/>
             <a:r>
               <a:rPr lang="en-US" b="0" i="0" u="none" strike="noStrike" baseline="0" dirty="0">
                 <a:latin typeface="NnstjdTimes-Roman"/>
@@ -8965,7 +8898,6 @@
             <a:endParaRPr lang="en-IN" dirty="0"/>
           </a:p>
           <a:p>
-            <a:pPr lvl="1"/>
             <a:r>
               <a:rPr lang="en-US" b="0" i="0" u="none" strike="noStrike" baseline="0" dirty="0">
                 <a:latin typeface="NnstjdTimes-Roman"/>
@@ -9008,6 +8940,11 @@
               </a:rPr>
               <a:t>, IEEE (2016)</a:t>
             </a:r>
+          </a:p>
+          <a:p>
+            <a:endParaRPr lang="en-US" b="0" i="0" u="none" strike="noStrike" baseline="0" dirty="0">
+              <a:latin typeface="NnstjdTimes-Roman"/>
+            </a:endParaRPr>
           </a:p>
         </p:txBody>
       </p:sp>
@@ -9057,41 +8994,34 @@
             <p:ph type="title"/>
           </p:nvPr>
         </p:nvSpPr>
-        <p:spPr/>
-        <p:txBody>
-          <a:bodyPr/>
+        <p:spPr>
+          <a:xfrm>
+            <a:off x="1640156" y="2614955"/>
+            <a:ext cx="8911687" cy="1280890"/>
+          </a:xfrm>
+        </p:spPr>
+        <p:txBody>
+          <a:bodyPr>
+            <a:normAutofit/>
+          </a:bodyPr>
           <a:lstStyle/>
           <a:p>
             <a:pPr algn="ctr"/>
             <a:r>
-              <a:rPr lang="en-IN" dirty="0"/>
+              <a:rPr lang="en-IN" sz="7200" dirty="0">
+                <a:solidFill>
+                  <a:srgbClr val="A53010"/>
+                </a:solidFill>
+                <a:effectLst>
+                  <a:outerShdw blurRad="38100" dist="38100" dir="2700000" algn="tl">
+                    <a:srgbClr val="000000">
+                      <a:alpha val="43137"/>
+                    </a:srgbClr>
+                  </a:outerShdw>
+                </a:effectLst>
+              </a:rPr>
               <a:t>Thank You</a:t>
             </a:r>
-          </a:p>
-        </p:txBody>
-      </p:sp>
-      <p:sp>
-        <p:nvSpPr>
-          <p:cNvPr id="3" name="Content Placeholder 2">
-            <a:extLst>
-              <a:ext uri="{FF2B5EF4-FFF2-40B4-BE49-F238E27FC236}">
-                <a16:creationId xmlns:a16="http://schemas.microsoft.com/office/drawing/2014/main" id="{0C7E305B-0B10-4509-AF98-8D045F5F5ED8}"/>
-              </a:ext>
-            </a:extLst>
-          </p:cNvPr>
-          <p:cNvSpPr>
-            <a:spLocks noGrp="1"/>
-          </p:cNvSpPr>
-          <p:nvPr>
-            <p:ph idx="1"/>
-          </p:nvPr>
-        </p:nvSpPr>
-        <p:spPr/>
-        <p:txBody>
-          <a:bodyPr/>
-          <a:lstStyle/>
-          <a:p>
-            <a:endParaRPr lang="en-IN"/>
           </a:p>
         </p:txBody>
       </p:sp>
@@ -9281,19 +9211,27 @@
           <a:p>
             <a:r>
               <a:rPr lang="en-IN" dirty="0"/>
-              <a:t>Shifted to Google Co-lab</a:t>
-            </a:r>
-          </a:p>
-          <a:p>
+              <a:t>Shifted to Google </a:t>
+            </a:r>
+            <a:r>
+              <a:rPr lang="en-IN" dirty="0" err="1"/>
+              <a:t>Colab</a:t>
+            </a:r>
             <a:r>
               <a:rPr lang="en-IN" dirty="0"/>
-              <a:t>Image Segmentation</a:t>
+              <a:t>.</a:t>
             </a:r>
           </a:p>
           <a:p>
             <a:r>
               <a:rPr lang="en-IN" dirty="0"/>
-              <a:t>Trying Different models and hyperparameters</a:t>
+              <a:t>Image Segmentation.</a:t>
+            </a:r>
+          </a:p>
+          <a:p>
+            <a:r>
+              <a:rPr lang="en-IN" dirty="0"/>
+              <a:t>Trying Different models and hyperparameters.</a:t>
             </a:r>
           </a:p>
         </p:txBody>
